--- a/assets/my_file.pptx
+++ b/assets/my_file.pptx
@@ -5,7 +5,7 @@
     <p:sldMasterId r:id="rId1" id="2147483648"/>
   </p:sldMasterIdLst>
   <p:sldIdLst>
-    <p:sldId r:id="rId6" id="1268537305"/>
+    <p:sldId r:id="rId6" id="1586594395"/>
   </p:sldIdLst>
   <p:sldSz cy="6858000" cx="12192000"/>
   <p:notesSz cy="9144000" cx="6858000"/>
